--- a/Cogsci 2025/Presentation1.pptx
+++ b/Cogsci 2025/Presentation1.pptx
@@ -104,6 +104,11 @@
       </a:defRPr>
     </a:lvl9pPr>
   </p:defaultTextStyle>
+  <p:extLst>
+    <p:ext uri="{EFAFB233-063F-42B5-8137-9DF3F51BA10A}">
+      <p15:sldGuideLst xmlns:p15="http://schemas.microsoft.com/office/powerpoint/2012/main"/>
+    </p:ext>
+  </p:extLst>
 </p:presentation>
 </file>
 
@@ -254,7 +259,7 @@
           <a:p>
             <a:fld id="{C8F93141-8C93-A84C-8C4A-565E97FE9C8C}" type="datetimeFigureOut">
               <a:rPr lang="en-US" smtClean="0"/>
-              <a:t>1/16/25</a:t>
+              <a:t>1/27/25</a:t>
             </a:fld>
             <a:endParaRPr lang="en-US"/>
           </a:p>
@@ -452,7 +457,7 @@
           <a:p>
             <a:fld id="{C8F93141-8C93-A84C-8C4A-565E97FE9C8C}" type="datetimeFigureOut">
               <a:rPr lang="en-US" smtClean="0"/>
-              <a:t>1/16/25</a:t>
+              <a:t>1/27/25</a:t>
             </a:fld>
             <a:endParaRPr lang="en-US"/>
           </a:p>
@@ -660,7 +665,7 @@
           <a:p>
             <a:fld id="{C8F93141-8C93-A84C-8C4A-565E97FE9C8C}" type="datetimeFigureOut">
               <a:rPr lang="en-US" smtClean="0"/>
-              <a:t>1/16/25</a:t>
+              <a:t>1/27/25</a:t>
             </a:fld>
             <a:endParaRPr lang="en-US"/>
           </a:p>
@@ -858,7 +863,7 @@
           <a:p>
             <a:fld id="{C8F93141-8C93-A84C-8C4A-565E97FE9C8C}" type="datetimeFigureOut">
               <a:rPr lang="en-US" smtClean="0"/>
-              <a:t>1/16/25</a:t>
+              <a:t>1/27/25</a:t>
             </a:fld>
             <a:endParaRPr lang="en-US"/>
           </a:p>
@@ -1133,7 +1138,7 @@
           <a:p>
             <a:fld id="{C8F93141-8C93-A84C-8C4A-565E97FE9C8C}" type="datetimeFigureOut">
               <a:rPr lang="en-US" smtClean="0"/>
-              <a:t>1/16/25</a:t>
+              <a:t>1/27/25</a:t>
             </a:fld>
             <a:endParaRPr lang="en-US"/>
           </a:p>
@@ -1398,7 +1403,7 @@
           <a:p>
             <a:fld id="{C8F93141-8C93-A84C-8C4A-565E97FE9C8C}" type="datetimeFigureOut">
               <a:rPr lang="en-US" smtClean="0"/>
-              <a:t>1/16/25</a:t>
+              <a:t>1/27/25</a:t>
             </a:fld>
             <a:endParaRPr lang="en-US"/>
           </a:p>
@@ -1810,7 +1815,7 @@
           <a:p>
             <a:fld id="{C8F93141-8C93-A84C-8C4A-565E97FE9C8C}" type="datetimeFigureOut">
               <a:rPr lang="en-US" smtClean="0"/>
-              <a:t>1/16/25</a:t>
+              <a:t>1/27/25</a:t>
             </a:fld>
             <a:endParaRPr lang="en-US"/>
           </a:p>
@@ -1951,7 +1956,7 @@
           <a:p>
             <a:fld id="{C8F93141-8C93-A84C-8C4A-565E97FE9C8C}" type="datetimeFigureOut">
               <a:rPr lang="en-US" smtClean="0"/>
-              <a:t>1/16/25</a:t>
+              <a:t>1/27/25</a:t>
             </a:fld>
             <a:endParaRPr lang="en-US"/>
           </a:p>
@@ -2064,7 +2069,7 @@
           <a:p>
             <a:fld id="{C8F93141-8C93-A84C-8C4A-565E97FE9C8C}" type="datetimeFigureOut">
               <a:rPr lang="en-US" smtClean="0"/>
-              <a:t>1/16/25</a:t>
+              <a:t>1/27/25</a:t>
             </a:fld>
             <a:endParaRPr lang="en-US"/>
           </a:p>
@@ -2375,7 +2380,7 @@
           <a:p>
             <a:fld id="{C8F93141-8C93-A84C-8C4A-565E97FE9C8C}" type="datetimeFigureOut">
               <a:rPr lang="en-US" smtClean="0"/>
-              <a:t>1/16/25</a:t>
+              <a:t>1/27/25</a:t>
             </a:fld>
             <a:endParaRPr lang="en-US"/>
           </a:p>
@@ -2663,7 +2668,7 @@
           <a:p>
             <a:fld id="{C8F93141-8C93-A84C-8C4A-565E97FE9C8C}" type="datetimeFigureOut">
               <a:rPr lang="en-US" smtClean="0"/>
-              <a:t>1/16/25</a:t>
+              <a:t>1/27/25</a:t>
             </a:fld>
             <a:endParaRPr lang="en-US"/>
           </a:p>
@@ -2904,7 +2909,7 @@
           <a:p>
             <a:fld id="{C8F93141-8C93-A84C-8C4A-565E97FE9C8C}" type="datetimeFigureOut">
               <a:rPr lang="en-US" smtClean="0"/>
-              <a:t>1/16/25</a:t>
+              <a:t>1/27/25</a:t>
             </a:fld>
             <a:endParaRPr lang="en-US"/>
           </a:p>
@@ -3323,41 +3328,6 @@
       </p:grpSpPr>
       <p:sp>
         <p:nvSpPr>
-          <p:cNvPr id="22" name="TextBox 21">
-            <a:extLst>
-              <a:ext uri="{FF2B5EF4-FFF2-40B4-BE49-F238E27FC236}">
-                <a16:creationId xmlns:a16="http://schemas.microsoft.com/office/drawing/2014/main" id="{EE72A2D0-BB9C-129D-D06C-C80ACA52089C}"/>
-              </a:ext>
-            </a:extLst>
-          </p:cNvPr>
-          <p:cNvSpPr txBox="1"/>
-          <p:nvPr/>
-        </p:nvSpPr>
-        <p:spPr>
-          <a:xfrm>
-            <a:off x="5414718" y="648989"/>
-            <a:ext cx="1262895" cy="369332"/>
-          </a:xfrm>
-          <a:prstGeom prst="rect">
-            <a:avLst/>
-          </a:prstGeom>
-          <a:noFill/>
-        </p:spPr>
-        <p:txBody>
-          <a:bodyPr wrap="square" rtlCol="0">
-            <a:spAutoFit/>
-          </a:bodyPr>
-          <a:lstStyle/>
-          <a:p>
-            <a:r>
-              <a:rPr lang="en-US" dirty="0"/>
-              <a:t>shape bias</a:t>
-            </a:r>
-          </a:p>
-        </p:txBody>
-      </p:sp>
-      <p:sp>
-        <p:nvSpPr>
           <p:cNvPr id="27" name="Rounded Rectangle 26">
             <a:extLst>
               <a:ext uri="{FF2B5EF4-FFF2-40B4-BE49-F238E27FC236}">
@@ -3370,13 +3340,17 @@
         </p:nvSpPr>
         <p:spPr>
           <a:xfrm>
-            <a:off x="2851349" y="1383423"/>
-            <a:ext cx="1787855" cy="767605"/>
+            <a:off x="2517269" y="1383423"/>
+            <a:ext cx="2121936" cy="767605"/>
           </a:xfrm>
           <a:prstGeom prst="roundRect">
             <a:avLst/>
           </a:prstGeom>
-          <a:noFill/>
+          <a:solidFill>
+            <a:schemeClr val="bg1">
+              <a:lumMod val="85000"/>
+            </a:schemeClr>
+          </a:solidFill>
         </p:spPr>
         <p:style>
           <a:lnRef idx="2">
@@ -3418,12 +3392,16 @@
         <p:spPr>
           <a:xfrm>
             <a:off x="7218715" y="1400402"/>
-            <a:ext cx="1900739" cy="853700"/>
+            <a:ext cx="2121936" cy="853700"/>
           </a:xfrm>
           <a:prstGeom prst="roundRect">
             <a:avLst/>
           </a:prstGeom>
-          <a:noFill/>
+          <a:solidFill>
+            <a:schemeClr val="bg1">
+              <a:lumMod val="85000"/>
+            </a:schemeClr>
+          </a:solidFill>
         </p:spPr>
         <p:style>
           <a:lnRef idx="2">
@@ -3470,7 +3448,12 @@
           <a:prstGeom prst="roundRect">
             <a:avLst/>
           </a:prstGeom>
-          <a:noFill/>
+          <a:solidFill>
+            <a:schemeClr val="accent4">
+              <a:lumMod val="20000"/>
+              <a:lumOff val="80000"/>
+            </a:schemeClr>
+          </a:solidFill>
         </p:spPr>
         <p:style>
           <a:lnRef idx="2">
@@ -3511,8 +3494,8 @@
         </p:nvSpPr>
         <p:spPr>
           <a:xfrm>
-            <a:off x="4760333" y="6000572"/>
-            <a:ext cx="2360839" cy="307777"/>
+            <a:off x="5342353" y="6025067"/>
+            <a:ext cx="1230080" cy="307777"/>
           </a:xfrm>
           <a:prstGeom prst="rect">
             <a:avLst/>
@@ -3526,8 +3509,8 @@
           <a:lstStyle/>
           <a:p>
             <a:r>
-              <a:rPr lang="en-US" sz="1400" dirty="0"/>
-              <a:t>early infancy, first few words</a:t>
+              <a:rPr lang="en-US" sz="1400" b="1" dirty="0"/>
+              <a:t>Early infancy</a:t>
             </a:r>
           </a:p>
         </p:txBody>
@@ -3552,7 +3535,12 @@
           <a:prstGeom prst="roundRect">
             <a:avLst/>
           </a:prstGeom>
-          <a:noFill/>
+          <a:solidFill>
+            <a:schemeClr val="tx2">
+              <a:lumMod val="25000"/>
+              <a:lumOff val="75000"/>
+            </a:schemeClr>
+          </a:solidFill>
         </p:spPr>
         <p:style>
           <a:lnRef idx="2">
@@ -3599,7 +3587,12 @@
           <a:prstGeom prst="roundRect">
             <a:avLst/>
           </a:prstGeom>
-          <a:noFill/>
+          <a:solidFill>
+            <a:schemeClr val="tx2">
+              <a:lumMod val="25000"/>
+              <a:lumOff val="75000"/>
+            </a:schemeClr>
+          </a:solidFill>
         </p:spPr>
         <p:style>
           <a:lnRef idx="2">
@@ -3646,7 +3639,12 @@
           <a:prstGeom prst="roundRect">
             <a:avLst/>
           </a:prstGeom>
-          <a:noFill/>
+          <a:solidFill>
+            <a:schemeClr val="tx2">
+              <a:lumMod val="25000"/>
+              <a:lumOff val="75000"/>
+            </a:schemeClr>
+          </a:solidFill>
         </p:spPr>
         <p:style>
           <a:lnRef idx="2">
@@ -3688,7 +3686,7 @@
         <p:spPr>
           <a:xfrm>
             <a:off x="2509589" y="4938935"/>
-            <a:ext cx="683520" cy="307777"/>
+            <a:ext cx="718338" cy="307777"/>
           </a:xfrm>
           <a:prstGeom prst="rect">
             <a:avLst/>
@@ -3702,10 +3700,10 @@
           <a:lstStyle/>
           <a:p>
             <a:r>
-              <a:rPr lang="en-US" sz="1400" dirty="0"/>
+              <a:rPr lang="en-US" sz="1400" b="1" dirty="0"/>
               <a:t>syntax</a:t>
             </a:r>
-            <a:endParaRPr lang="en-US" dirty="0"/>
+            <a:endParaRPr lang="en-US" b="1" dirty="0"/>
           </a:p>
         </p:txBody>
       </p:sp>
@@ -3723,8 +3721,8 @@
         </p:nvSpPr>
         <p:spPr>
           <a:xfrm>
-            <a:off x="5358767" y="4925678"/>
-            <a:ext cx="1163973" cy="307777"/>
+            <a:off x="5306318" y="4955055"/>
+            <a:ext cx="1222129" cy="307777"/>
           </a:xfrm>
           <a:prstGeom prst="rect">
             <a:avLst/>
@@ -3738,7 +3736,7 @@
           <a:lstStyle/>
           <a:p>
             <a:r>
-              <a:rPr lang="en-US" sz="1400" dirty="0"/>
+              <a:rPr lang="en-US" sz="1400" b="1" dirty="0"/>
               <a:t>environment</a:t>
             </a:r>
           </a:p>
@@ -3758,8 +3756,8 @@
         </p:nvSpPr>
         <p:spPr>
           <a:xfrm>
-            <a:off x="8243558" y="4945024"/>
-            <a:ext cx="1669310" cy="307777"/>
+            <a:off x="8279683" y="4955055"/>
+            <a:ext cx="1857320" cy="307777"/>
           </a:xfrm>
           <a:prstGeom prst="rect">
             <a:avLst/>
@@ -3773,8 +3771,8 @@
           <a:lstStyle/>
           <a:p>
             <a:r>
-              <a:rPr lang="en-US" sz="1400" dirty="0"/>
-              <a:t>existing vocabulary</a:t>
+              <a:rPr lang="en-US" sz="1400" b="1" dirty="0"/>
+              <a:t>early vocabulary</a:t>
             </a:r>
           </a:p>
         </p:txBody>
@@ -3922,7 +3920,12 @@
           <a:prstGeom prst="diamond">
             <a:avLst/>
           </a:prstGeom>
-          <a:noFill/>
+          <a:solidFill>
+            <a:schemeClr val="tx2">
+              <a:lumMod val="50000"/>
+              <a:lumOff val="50000"/>
+            </a:schemeClr>
+          </a:solidFill>
         </p:spPr>
         <p:style>
           <a:lnRef idx="2">
@@ -4093,7 +4096,7 @@
         <p:spPr>
           <a:xfrm>
             <a:off x="5140982" y="3517651"/>
-            <a:ext cx="1599540" cy="307777"/>
+            <a:ext cx="1700081" cy="307777"/>
           </a:xfrm>
           <a:prstGeom prst="rect">
             <a:avLst/>
@@ -4107,7 +4110,7 @@
           <a:lstStyle/>
           <a:p>
             <a:r>
-              <a:rPr lang="en-US" sz="1400" dirty="0"/>
+              <a:rPr lang="en-US" sz="1400" b="1" dirty="0"/>
               <a:t>statistical thinking</a:t>
             </a:r>
           </a:p>
@@ -4127,13 +4130,17 @@
         </p:nvSpPr>
         <p:spPr>
           <a:xfrm>
-            <a:off x="5213455" y="511869"/>
-            <a:ext cx="1662828" cy="691117"/>
+            <a:off x="4931866" y="528373"/>
+            <a:ext cx="1971035" cy="691117"/>
           </a:xfrm>
           <a:prstGeom prst="ellipse">
             <a:avLst/>
           </a:prstGeom>
-          <a:noFill/>
+          <a:solidFill>
+            <a:schemeClr val="bg1">
+              <a:lumMod val="65000"/>
+            </a:schemeClr>
+          </a:solidFill>
         </p:spPr>
         <p:style>
           <a:lnRef idx="2">
@@ -4156,7 +4163,10 @@
           <a:lstStyle/>
           <a:p>
             <a:pPr algn="ctr"/>
-            <a:endParaRPr lang="en-US"/>
+            <a:r>
+              <a:rPr lang="en-US" b="1" dirty="0"/>
+              <a:t>Shape bias</a:t>
+            </a:r>
           </a:p>
         </p:txBody>
       </p:sp>
@@ -4256,8 +4266,8 @@
         </p:nvSpPr>
         <p:spPr>
           <a:xfrm>
-            <a:off x="7235645" y="1477061"/>
-            <a:ext cx="1900739" cy="692497"/>
+            <a:off x="7235645" y="1565707"/>
+            <a:ext cx="2121936" cy="492443"/>
           </a:xfrm>
           <a:prstGeom prst="rect">
             <a:avLst/>
@@ -4271,8 +4281,8 @@
           <a:lstStyle/>
           <a:p>
             <a:r>
-              <a:rPr lang="en-US" sz="1300" dirty="0"/>
-              <a:t>Objects are more than just their shape; shape is a good identifier  </a:t>
+              <a:rPr lang="en-US" sz="1300" b="1" dirty="0"/>
+              <a:t>Objects = an essence; shape is a good identifier  </a:t>
             </a:r>
           </a:p>
         </p:txBody>
@@ -4291,8 +4301,8 @@
         </p:nvSpPr>
         <p:spPr>
           <a:xfrm>
-            <a:off x="3001362" y="1497675"/>
-            <a:ext cx="1520455" cy="523220"/>
+            <a:off x="2627534" y="1604222"/>
+            <a:ext cx="1901405" cy="307777"/>
           </a:xfrm>
           <a:prstGeom prst="rect">
             <a:avLst/>
@@ -4306,8 +4316,8 @@
           <a:lstStyle/>
           <a:p>
             <a:r>
-              <a:rPr lang="en-US" sz="1400" dirty="0"/>
-              <a:t>Objects are their shapes</a:t>
+              <a:rPr lang="en-US" sz="1400" b="1" dirty="0"/>
+              <a:t>Objects =  shapes</a:t>
             </a:r>
           </a:p>
         </p:txBody>
@@ -4368,8 +4378,8 @@
         </p:nvCxnSpPr>
         <p:spPr>
           <a:xfrm rot="5400000" flipH="1" flipV="1">
-            <a:off x="4216369" y="386337"/>
-            <a:ext cx="525995" cy="1468178"/>
+            <a:off x="4000306" y="451864"/>
+            <a:ext cx="509491" cy="1353629"/>
           </a:xfrm>
           <a:prstGeom prst="bentConnector2">
             <a:avLst/>
@@ -4411,8 +4421,8 @@
         </p:nvCxnSpPr>
         <p:spPr>
           <a:xfrm rot="16200000" flipV="1">
-            <a:off x="7251197" y="482514"/>
-            <a:ext cx="542974" cy="1292802"/>
+            <a:off x="7328057" y="448776"/>
+            <a:ext cx="526470" cy="1376782"/>
           </a:xfrm>
           <a:prstGeom prst="bentConnector2">
             <a:avLst/>
